--- a/android/service/bound/doc/slides.pptx
+++ b/android/service/bound/doc/slides.pptx
@@ -110,6 +110,11 @@
       </a:defRPr>
     </a:lvl9pPr>
   </p:defaultTextStyle>
+  <p:extLst>
+    <p:ext uri="{EFAFB233-063F-42B5-8137-9DF3F51BA10A}">
+      <p15:sldGuideLst xmlns:p15="http://schemas.microsoft.com/office/powerpoint/2012/main"/>
+    </p:ext>
+  </p:extLst>
 </p:presentation>
 </file>
 
@@ -195,7 +200,7 @@
           <a:p>
             <a:fld id="{627A5230-699B-46BB-928F-5C1804B16158}" type="datetimeFigureOut">
               <a:rPr lang="en-US" smtClean="0"/>
-              <a:t>7/30/2015</a:t>
+              <a:t>8/6/2015</a:t>
             </a:fld>
             <a:endParaRPr lang="en-US"/>
           </a:p>
@@ -3925,7 +3930,7 @@
       </p:sp>
       <p:pic>
         <p:nvPicPr>
-          <p:cNvPr id="9" name="Picture 8"/>
+          <p:cNvPr id="2" name="Picture 1"/>
           <p:cNvPicPr>
             <a:picLocks noChangeAspect="1"/>
           </p:cNvPicPr>
@@ -3945,8 +3950,8 @@
         </p:blipFill>
         <p:spPr>
           <a:xfrm>
-            <a:off x="1813064" y="365125"/>
-            <a:ext cx="3857625" cy="5405456"/>
+            <a:off x="2275979" y="365125"/>
+            <a:ext cx="2931796" cy="5212080"/>
           </a:xfrm>
           <a:prstGeom prst="rect">
             <a:avLst/>
@@ -3955,7 +3960,7 @@
       </p:pic>
       <p:pic>
         <p:nvPicPr>
-          <p:cNvPr id="10" name="Picture 9"/>
+          <p:cNvPr id="3" name="Picture 2"/>
           <p:cNvPicPr>
             <a:picLocks noChangeAspect="1"/>
           </p:cNvPicPr>
@@ -3975,8 +3980,8 @@
         </p:blipFill>
         <p:spPr>
           <a:xfrm>
-            <a:off x="5881976" y="365125"/>
-            <a:ext cx="3857625" cy="5405457"/>
+            <a:off x="6138962" y="344133"/>
+            <a:ext cx="2943604" cy="5233072"/>
           </a:xfrm>
           <a:prstGeom prst="rect">
             <a:avLst/>
